--- a/Vehicel art.pptx
+++ b/Vehicel art.pptx
@@ -104,13 +104,18 @@
       </a:defRPr>
     </a:lvl9pPr>
   </p:defaultTextStyle>
+  <p:extLst>
+    <p:ext uri="{EFAFB233-063F-42B5-8137-9DF3F51BA10A}">
+      <p15:sldGuideLst xmlns:p15="http://schemas.microsoft.com/office/powerpoint/2012/main"/>
+    </p:ext>
+  </p:extLst>
 </p:presentation>
 </file>
 
 <file path=ppt/revisionInfo.xml><?xml version="1.0" encoding="utf-8"?>
 <p1510:revInfo xmlns:a="http://schemas.openxmlformats.org/drawingml/2006/main" xmlns:r="http://schemas.openxmlformats.org/officeDocument/2006/relationships" xmlns:p1510="http://schemas.microsoft.com/office/powerpoint/2015/10/main">
   <p1510:revLst>
-    <p1510:client id="{2C86E616-5D67-41AD-BD52-4484FAD0D2F9}" v="2" dt="2022-01-03T00:33:50.548"/>
+    <p1510:client id="{2C86E616-5D67-41AD-BD52-4484FAD0D2F9}" v="6" dt="2022-01-06T17:05:24.154"/>
   </p1510:revLst>
 </p1510:revInfo>
 </file>
@@ -120,16 +125,96 @@
   <pc:docChgLst>
     <pc:chgData name="Gero Nootz" userId="a996ce4143c80dfb" providerId="LiveId" clId="{2C86E616-5D67-41AD-BD52-4484FAD0D2F9}"/>
     <pc:docChg chg="modSld">
-      <pc:chgData name="Gero Nootz" userId="a996ce4143c80dfb" providerId="LiveId" clId="{2C86E616-5D67-41AD-BD52-4484FAD0D2F9}" dt="2022-01-03T00:35:05.477" v="44" actId="692"/>
+      <pc:chgData name="Gero Nootz" userId="a996ce4143c80dfb" providerId="LiveId" clId="{2C86E616-5D67-41AD-BD52-4484FAD0D2F9}" dt="2022-01-06T17:15:54.190" v="67" actId="1076"/>
       <pc:docMkLst>
         <pc:docMk/>
       </pc:docMkLst>
-      <pc:sldChg chg="addSp modSp mod">
-        <pc:chgData name="Gero Nootz" userId="a996ce4143c80dfb" providerId="LiveId" clId="{2C86E616-5D67-41AD-BD52-4484FAD0D2F9}" dt="2022-01-03T00:35:05.477" v="44" actId="692"/>
+      <pc:sldChg chg="addSp delSp modSp mod">
+        <pc:chgData name="Gero Nootz" userId="a996ce4143c80dfb" providerId="LiveId" clId="{2C86E616-5D67-41AD-BD52-4484FAD0D2F9}" dt="2022-01-06T17:15:54.190" v="67" actId="1076"/>
         <pc:sldMkLst>
           <pc:docMk/>
           <pc:sldMk cId="1644384952" sldId="256"/>
         </pc:sldMkLst>
+        <pc:spChg chg="mod topLvl">
+          <ac:chgData name="Gero Nootz" userId="a996ce4143c80dfb" providerId="LiveId" clId="{2C86E616-5D67-41AD-BD52-4484FAD0D2F9}" dt="2022-01-06T17:04:53.994" v="51" actId="164"/>
+          <ac:spMkLst>
+            <pc:docMk/>
+            <pc:sldMk cId="1644384952" sldId="256"/>
+            <ac:spMk id="23" creationId="{E4A9436E-7C09-4334-A098-E97873D6EF36}"/>
+          </ac:spMkLst>
+        </pc:spChg>
+        <pc:spChg chg="mod topLvl">
+          <ac:chgData name="Gero Nootz" userId="a996ce4143c80dfb" providerId="LiveId" clId="{2C86E616-5D67-41AD-BD52-4484FAD0D2F9}" dt="2022-01-06T17:04:53.994" v="51" actId="164"/>
+          <ac:spMkLst>
+            <pc:docMk/>
+            <pc:sldMk cId="1644384952" sldId="256"/>
+            <ac:spMk id="24" creationId="{FFB0BF14-9DE0-45AC-9A33-A3AE360C49AF}"/>
+          </ac:spMkLst>
+        </pc:spChg>
+        <pc:spChg chg="mod topLvl">
+          <ac:chgData name="Gero Nootz" userId="a996ce4143c80dfb" providerId="LiveId" clId="{2C86E616-5D67-41AD-BD52-4484FAD0D2F9}" dt="2022-01-06T17:04:53.994" v="51" actId="164"/>
+          <ac:spMkLst>
+            <pc:docMk/>
+            <pc:sldMk cId="1644384952" sldId="256"/>
+            <ac:spMk id="25" creationId="{A939C0C4-86F5-478F-BF4E-BA052A1E2FE0}"/>
+          </ac:spMkLst>
+        </pc:spChg>
+        <pc:spChg chg="mod">
+          <ac:chgData name="Gero Nootz" userId="a996ce4143c80dfb" providerId="LiveId" clId="{2C86E616-5D67-41AD-BD52-4484FAD0D2F9}" dt="2022-01-06T17:04:24.042" v="45" actId="165"/>
+          <ac:spMkLst>
+            <pc:docMk/>
+            <pc:sldMk cId="1644384952" sldId="256"/>
+            <ac:spMk id="28" creationId="{435F39BA-F6A1-4C96-B0BB-56D55CECD195}"/>
+          </ac:spMkLst>
+        </pc:spChg>
+        <pc:spChg chg="mod">
+          <ac:chgData name="Gero Nootz" userId="a996ce4143c80dfb" providerId="LiveId" clId="{2C86E616-5D67-41AD-BD52-4484FAD0D2F9}" dt="2022-01-06T17:04:24.042" v="45" actId="165"/>
+          <ac:spMkLst>
+            <pc:docMk/>
+            <pc:sldMk cId="1644384952" sldId="256"/>
+            <ac:spMk id="29" creationId="{B075A2A4-C90A-44E6-8EAB-4BB2303D1828}"/>
+          </ac:spMkLst>
+        </pc:spChg>
+        <pc:spChg chg="mod topLvl">
+          <ac:chgData name="Gero Nootz" userId="a996ce4143c80dfb" providerId="LiveId" clId="{2C86E616-5D67-41AD-BD52-4484FAD0D2F9}" dt="2022-01-06T17:04:53.994" v="51" actId="164"/>
+          <ac:spMkLst>
+            <pc:docMk/>
+            <pc:sldMk cId="1644384952" sldId="256"/>
+            <ac:spMk id="48" creationId="{7D21DDD8-D416-4F65-B615-A9510ABAD38F}"/>
+          </ac:spMkLst>
+        </pc:spChg>
+        <pc:spChg chg="mod topLvl">
+          <ac:chgData name="Gero Nootz" userId="a996ce4143c80dfb" providerId="LiveId" clId="{2C86E616-5D67-41AD-BD52-4484FAD0D2F9}" dt="2022-01-06T17:04:53.994" v="51" actId="164"/>
+          <ac:spMkLst>
+            <pc:docMk/>
+            <pc:sldMk cId="1644384952" sldId="256"/>
+            <ac:spMk id="53" creationId="{6EC49901-6CDF-4B82-B2BD-2F8AACDF7D4E}"/>
+          </ac:spMkLst>
+        </pc:spChg>
+        <pc:spChg chg="mod topLvl">
+          <ac:chgData name="Gero Nootz" userId="a996ce4143c80dfb" providerId="LiveId" clId="{2C86E616-5D67-41AD-BD52-4484FAD0D2F9}" dt="2022-01-06T17:04:53.994" v="51" actId="164"/>
+          <ac:spMkLst>
+            <pc:docMk/>
+            <pc:sldMk cId="1644384952" sldId="256"/>
+            <ac:spMk id="54" creationId="{13A61071-2F14-4484-8C53-F20DB33F582D}"/>
+          </ac:spMkLst>
+        </pc:spChg>
+        <pc:spChg chg="mod topLvl">
+          <ac:chgData name="Gero Nootz" userId="a996ce4143c80dfb" providerId="LiveId" clId="{2C86E616-5D67-41AD-BD52-4484FAD0D2F9}" dt="2022-01-06T17:04:53.994" v="51" actId="164"/>
+          <ac:spMkLst>
+            <pc:docMk/>
+            <pc:sldMk cId="1644384952" sldId="256"/>
+            <ac:spMk id="55" creationId="{FB92214D-2D51-439E-8F46-DAEFBD98FAD5}"/>
+          </ac:spMkLst>
+        </pc:spChg>
+        <pc:spChg chg="mod topLvl">
+          <ac:chgData name="Gero Nootz" userId="a996ce4143c80dfb" providerId="LiveId" clId="{2C86E616-5D67-41AD-BD52-4484FAD0D2F9}" dt="2022-01-06T17:04:53.994" v="51" actId="164"/>
+          <ac:spMkLst>
+            <pc:docMk/>
+            <pc:sldMk cId="1644384952" sldId="256"/>
+            <ac:spMk id="56" creationId="{1AE56F08-110D-4015-BAF2-36860B0D3B76}"/>
+          </ac:spMkLst>
+        </pc:spChg>
         <pc:spChg chg="add mod">
           <ac:chgData name="Gero Nootz" userId="a996ce4143c80dfb" providerId="LiveId" clId="{2C86E616-5D67-41AD-BD52-4484FAD0D2F9}" dt="2022-01-03T00:34:05.094" v="21" actId="1076"/>
           <ac:spMkLst>
@@ -146,6 +231,22 @@
             <ac:spMk id="118" creationId="{DD22D658-B639-471E-9984-B09312196A11}"/>
           </ac:spMkLst>
         </pc:spChg>
+        <pc:grpChg chg="add mod">
+          <ac:chgData name="Gero Nootz" userId="a996ce4143c80dfb" providerId="LiveId" clId="{2C86E616-5D67-41AD-BD52-4484FAD0D2F9}" dt="2022-01-06T17:05:19.173" v="54" actId="164"/>
+          <ac:grpSpMkLst>
+            <pc:docMk/>
+            <pc:sldMk cId="1644384952" sldId="256"/>
+            <ac:grpSpMk id="2" creationId="{D437EA31-EC6A-45FF-B032-8178353D8433}"/>
+          </ac:grpSpMkLst>
+        </pc:grpChg>
+        <pc:grpChg chg="add mod">
+          <ac:chgData name="Gero Nootz" userId="a996ce4143c80dfb" providerId="LiveId" clId="{2C86E616-5D67-41AD-BD52-4484FAD0D2F9}" dt="2022-01-06T17:05:19.173" v="54" actId="164"/>
+          <ac:grpSpMkLst>
+            <pc:docMk/>
+            <pc:sldMk cId="1644384952" sldId="256"/>
+            <ac:grpSpMk id="3" creationId="{B5B74A71-10A9-4CF6-B4C5-92B3F795DFE8}"/>
+          </ac:grpSpMkLst>
+        </pc:grpChg>
         <pc:grpChg chg="mod">
           <ac:chgData name="Gero Nootz" userId="a996ce4143c80dfb" providerId="LiveId" clId="{2C86E616-5D67-41AD-BD52-4484FAD0D2F9}" dt="2022-01-03T00:34:45.585" v="26" actId="14100"/>
           <ac:grpSpMkLst>
@@ -154,6 +255,54 @@
             <ac:grpSpMk id="20" creationId="{3985FFC3-0CF3-4670-8DE1-8CBCD4999704}"/>
           </ac:grpSpMkLst>
         </pc:grpChg>
+        <pc:grpChg chg="mod topLvl">
+          <ac:chgData name="Gero Nootz" userId="a996ce4143c80dfb" providerId="LiveId" clId="{2C86E616-5D67-41AD-BD52-4484FAD0D2F9}" dt="2022-01-06T17:05:19.173" v="54" actId="164"/>
+          <ac:grpSpMkLst>
+            <pc:docMk/>
+            <pc:sldMk cId="1644384952" sldId="256"/>
+            <ac:grpSpMk id="30" creationId="{845AF2CC-52E6-43B1-B328-018A3C48F689}"/>
+          </ac:grpSpMkLst>
+        </pc:grpChg>
+        <pc:grpChg chg="mod topLvl">
+          <ac:chgData name="Gero Nootz" userId="a996ce4143c80dfb" providerId="LiveId" clId="{2C86E616-5D67-41AD-BD52-4484FAD0D2F9}" dt="2022-01-06T17:04:53.994" v="51" actId="164"/>
+          <ac:grpSpMkLst>
+            <pc:docMk/>
+            <pc:sldMk cId="1644384952" sldId="256"/>
+            <ac:grpSpMk id="43" creationId="{FA1D3D79-7275-4D2D-AA39-2D53E8005607}"/>
+          </ac:grpSpMkLst>
+        </pc:grpChg>
+        <pc:grpChg chg="mod topLvl">
+          <ac:chgData name="Gero Nootz" userId="a996ce4143c80dfb" providerId="LiveId" clId="{2C86E616-5D67-41AD-BD52-4484FAD0D2F9}" dt="2022-01-06T17:04:53.994" v="51" actId="164"/>
+          <ac:grpSpMkLst>
+            <pc:docMk/>
+            <pc:sldMk cId="1644384952" sldId="256"/>
+            <ac:grpSpMk id="44" creationId="{1E5BDA21-1009-48BB-A7C6-56E94A1DE927}"/>
+          </ac:grpSpMkLst>
+        </pc:grpChg>
+        <pc:grpChg chg="del">
+          <ac:chgData name="Gero Nootz" userId="a996ce4143c80dfb" providerId="LiveId" clId="{2C86E616-5D67-41AD-BD52-4484FAD0D2F9}" dt="2022-01-06T17:04:24.042" v="45" actId="165"/>
+          <ac:grpSpMkLst>
+            <pc:docMk/>
+            <pc:sldMk cId="1644384952" sldId="256"/>
+            <ac:grpSpMk id="94" creationId="{EF1ABB5D-9419-4FA1-BF7B-57EB48808A1C}"/>
+          </ac:grpSpMkLst>
+        </pc:grpChg>
+        <pc:picChg chg="add mod modCrop">
+          <ac:chgData name="Gero Nootz" userId="a996ce4143c80dfb" providerId="LiveId" clId="{2C86E616-5D67-41AD-BD52-4484FAD0D2F9}" dt="2022-01-06T17:15:48.098" v="66" actId="1076"/>
+          <ac:picMkLst>
+            <pc:docMk/>
+            <pc:sldMk cId="1644384952" sldId="256"/>
+            <ac:picMk id="4" creationId="{52B354F2-A265-485F-9AA0-12287472B8C4}"/>
+          </ac:picMkLst>
+        </pc:picChg>
+        <pc:picChg chg="mod">
+          <ac:chgData name="Gero Nootz" userId="a996ce4143c80dfb" providerId="LiveId" clId="{2C86E616-5D67-41AD-BD52-4484FAD0D2F9}" dt="2022-01-06T17:15:54.190" v="67" actId="1076"/>
+          <ac:picMkLst>
+            <pc:docMk/>
+            <pc:sldMk cId="1644384952" sldId="256"/>
+            <ac:picMk id="21" creationId="{3FD115C9-DC36-4634-BF16-B6ADA4906273}"/>
+          </ac:picMkLst>
+        </pc:picChg>
         <pc:picChg chg="mod">
           <ac:chgData name="Gero Nootz" userId="a996ce4143c80dfb" providerId="LiveId" clId="{2C86E616-5D67-41AD-BD52-4484FAD0D2F9}" dt="2022-01-03T00:34:14.646" v="23" actId="1076"/>
           <ac:picMkLst>
@@ -171,7 +320,7 @@
           </ac:picMkLst>
         </pc:picChg>
         <pc:cxnChg chg="mod">
-          <ac:chgData name="Gero Nootz" userId="a996ce4143c80dfb" providerId="LiveId" clId="{2C86E616-5D67-41AD-BD52-4484FAD0D2F9}" dt="2022-01-03T00:35:05.477" v="44" actId="692"/>
+          <ac:chgData name="Gero Nootz" userId="a996ce4143c80dfb" providerId="LiveId" clId="{2C86E616-5D67-41AD-BD52-4484FAD0D2F9}" dt="2022-01-06T17:04:24.042" v="45" actId="165"/>
           <ac:cxnSpMkLst>
             <pc:docMk/>
             <pc:sldMk cId="1644384952" sldId="256"/>
@@ -179,7 +328,7 @@
           </ac:cxnSpMkLst>
         </pc:cxnChg>
         <pc:cxnChg chg="mod">
-          <ac:chgData name="Gero Nootz" userId="a996ce4143c80dfb" providerId="LiveId" clId="{2C86E616-5D67-41AD-BD52-4484FAD0D2F9}" dt="2022-01-03T00:35:05.477" v="44" actId="692"/>
+          <ac:chgData name="Gero Nootz" userId="a996ce4143c80dfb" providerId="LiveId" clId="{2C86E616-5D67-41AD-BD52-4484FAD0D2F9}" dt="2022-01-06T17:04:24.042" v="45" actId="165"/>
           <ac:cxnSpMkLst>
             <pc:docMk/>
             <pc:sldMk cId="1644384952" sldId="256"/>
@@ -187,7 +336,7 @@
           </ac:cxnSpMkLst>
         </pc:cxnChg>
         <pc:cxnChg chg="mod">
-          <ac:chgData name="Gero Nootz" userId="a996ce4143c80dfb" providerId="LiveId" clId="{2C86E616-5D67-41AD-BD52-4484FAD0D2F9}" dt="2022-01-03T00:35:05.477" v="44" actId="692"/>
+          <ac:chgData name="Gero Nootz" userId="a996ce4143c80dfb" providerId="LiveId" clId="{2C86E616-5D67-41AD-BD52-4484FAD0D2F9}" dt="2022-01-06T17:04:24.042" v="45" actId="165"/>
           <ac:cxnSpMkLst>
             <pc:docMk/>
             <pc:sldMk cId="1644384952" sldId="256"/>
@@ -195,7 +344,7 @@
           </ac:cxnSpMkLst>
         </pc:cxnChg>
         <pc:cxnChg chg="mod">
-          <ac:chgData name="Gero Nootz" userId="a996ce4143c80dfb" providerId="LiveId" clId="{2C86E616-5D67-41AD-BD52-4484FAD0D2F9}" dt="2022-01-03T00:35:05.477" v="44" actId="692"/>
+          <ac:chgData name="Gero Nootz" userId="a996ce4143c80dfb" providerId="LiveId" clId="{2C86E616-5D67-41AD-BD52-4484FAD0D2F9}" dt="2022-01-06T17:04:24.042" v="45" actId="165"/>
           <ac:cxnSpMkLst>
             <pc:docMk/>
             <pc:sldMk cId="1644384952" sldId="256"/>
@@ -363,7 +512,7 @@
           <a:p>
             <a:fld id="{A8BD7523-09FB-4E91-AF0B-DDCB0CD9F6FF}" type="datetimeFigureOut">
               <a:rPr lang="en-US" smtClean="0"/>
-              <a:t>1/1/2022</a:t>
+              <a:t>1/6/2022</a:t>
             </a:fld>
             <a:endParaRPr lang="en-US"/>
           </a:p>
@@ -561,7 +710,7 @@
           <a:p>
             <a:fld id="{A8BD7523-09FB-4E91-AF0B-DDCB0CD9F6FF}" type="datetimeFigureOut">
               <a:rPr lang="en-US" smtClean="0"/>
-              <a:t>1/1/2022</a:t>
+              <a:t>1/6/2022</a:t>
             </a:fld>
             <a:endParaRPr lang="en-US"/>
           </a:p>
@@ -769,7 +918,7 @@
           <a:p>
             <a:fld id="{A8BD7523-09FB-4E91-AF0B-DDCB0CD9F6FF}" type="datetimeFigureOut">
               <a:rPr lang="en-US" smtClean="0"/>
-              <a:t>1/1/2022</a:t>
+              <a:t>1/6/2022</a:t>
             </a:fld>
             <a:endParaRPr lang="en-US"/>
           </a:p>
@@ -967,7 +1116,7 @@
           <a:p>
             <a:fld id="{A8BD7523-09FB-4E91-AF0B-DDCB0CD9F6FF}" type="datetimeFigureOut">
               <a:rPr lang="en-US" smtClean="0"/>
-              <a:t>1/1/2022</a:t>
+              <a:t>1/6/2022</a:t>
             </a:fld>
             <a:endParaRPr lang="en-US"/>
           </a:p>
@@ -1242,7 +1391,7 @@
           <a:p>
             <a:fld id="{A8BD7523-09FB-4E91-AF0B-DDCB0CD9F6FF}" type="datetimeFigureOut">
               <a:rPr lang="en-US" smtClean="0"/>
-              <a:t>1/1/2022</a:t>
+              <a:t>1/6/2022</a:t>
             </a:fld>
             <a:endParaRPr lang="en-US"/>
           </a:p>
@@ -1507,7 +1656,7 @@
           <a:p>
             <a:fld id="{A8BD7523-09FB-4E91-AF0B-DDCB0CD9F6FF}" type="datetimeFigureOut">
               <a:rPr lang="en-US" smtClean="0"/>
-              <a:t>1/1/2022</a:t>
+              <a:t>1/6/2022</a:t>
             </a:fld>
             <a:endParaRPr lang="en-US"/>
           </a:p>
@@ -1919,7 +2068,7 @@
           <a:p>
             <a:fld id="{A8BD7523-09FB-4E91-AF0B-DDCB0CD9F6FF}" type="datetimeFigureOut">
               <a:rPr lang="en-US" smtClean="0"/>
-              <a:t>1/1/2022</a:t>
+              <a:t>1/6/2022</a:t>
             </a:fld>
             <a:endParaRPr lang="en-US"/>
           </a:p>
@@ -2060,7 +2209,7 @@
           <a:p>
             <a:fld id="{A8BD7523-09FB-4E91-AF0B-DDCB0CD9F6FF}" type="datetimeFigureOut">
               <a:rPr lang="en-US" smtClean="0"/>
-              <a:t>1/1/2022</a:t>
+              <a:t>1/6/2022</a:t>
             </a:fld>
             <a:endParaRPr lang="en-US"/>
           </a:p>
@@ -2173,7 +2322,7 @@
           <a:p>
             <a:fld id="{A8BD7523-09FB-4E91-AF0B-DDCB0CD9F6FF}" type="datetimeFigureOut">
               <a:rPr lang="en-US" smtClean="0"/>
-              <a:t>1/1/2022</a:t>
+              <a:t>1/6/2022</a:t>
             </a:fld>
             <a:endParaRPr lang="en-US"/>
           </a:p>
@@ -2484,7 +2633,7 @@
           <a:p>
             <a:fld id="{A8BD7523-09FB-4E91-AF0B-DDCB0CD9F6FF}" type="datetimeFigureOut">
               <a:rPr lang="en-US" smtClean="0"/>
-              <a:t>1/1/2022</a:t>
+              <a:t>1/6/2022</a:t>
             </a:fld>
             <a:endParaRPr lang="en-US"/>
           </a:p>
@@ -2772,7 +2921,7 @@
           <a:p>
             <a:fld id="{A8BD7523-09FB-4E91-AF0B-DDCB0CD9F6FF}" type="datetimeFigureOut">
               <a:rPr lang="en-US" smtClean="0"/>
-              <a:t>1/1/2022</a:t>
+              <a:t>1/6/2022</a:t>
             </a:fld>
             <a:endParaRPr lang="en-US"/>
           </a:p>
@@ -3013,7 +3162,7 @@
           <a:p>
             <a:fld id="{A8BD7523-09FB-4E91-AF0B-DDCB0CD9F6FF}" type="datetimeFigureOut">
               <a:rPr lang="en-US" smtClean="0"/>
-              <a:t>1/1/2022</a:t>
+              <a:t>1/6/2022</a:t>
             </a:fld>
             <a:endParaRPr lang="en-US"/>
           </a:p>
@@ -4150,7 +4299,7 @@
         </p:blipFill>
         <p:spPr>
           <a:xfrm rot="16200000">
-            <a:off x="8451273" y="0"/>
+            <a:off x="8429758" y="118334"/>
             <a:ext cx="1840675" cy="1840675"/>
           </a:xfrm>
           <a:prstGeom prst="rect">
@@ -4189,10 +4338,10 @@
       </p:pic>
       <p:grpSp>
         <p:nvGrpSpPr>
-          <p:cNvPr id="94" name="Group 93">
-            <a:extLst>
-              <a:ext uri="{FF2B5EF4-FFF2-40B4-BE49-F238E27FC236}">
-                <a16:creationId xmlns:a16="http://schemas.microsoft.com/office/drawing/2014/main" id="{EF1ABB5D-9419-4FA1-BF7B-57EB48808A1C}"/>
+          <p:cNvPr id="3" name="Group 2">
+            <a:extLst>
+              <a:ext uri="{FF2B5EF4-FFF2-40B4-BE49-F238E27FC236}">
+                <a16:creationId xmlns:a16="http://schemas.microsoft.com/office/drawing/2014/main" id="{B5B74A71-10A9-4CF6-B4C5-92B3F795DFE8}"/>
               </a:ext>
             </a:extLst>
           </p:cNvPr>
@@ -4207,434 +4356,12 @@
             <a:chExt cx="2678876" cy="3887726"/>
           </a:xfrm>
         </p:grpSpPr>
-        <p:sp>
-          <p:nvSpPr>
-            <p:cNvPr id="23" name="Rectangle 22">
+        <p:grpSp>
+          <p:nvGrpSpPr>
+            <p:cNvPr id="2" name="Group 1">
               <a:extLst>
                 <a:ext uri="{FF2B5EF4-FFF2-40B4-BE49-F238E27FC236}">
-                  <a16:creationId xmlns:a16="http://schemas.microsoft.com/office/drawing/2014/main" id="{E4A9436E-7C09-4334-A098-E97873D6EF36}"/>
-                </a:ext>
-              </a:extLst>
-            </p:cNvPr>
-            <p:cNvSpPr/>
-            <p:nvPr/>
-          </p:nvSpPr>
-          <p:spPr>
-            <a:xfrm>
-              <a:off x="363303" y="3950967"/>
-              <a:ext cx="685800" cy="1968649"/>
-            </a:xfrm>
-            <a:prstGeom prst="rect">
-              <a:avLst/>
-            </a:prstGeom>
-            <a:solidFill>
-              <a:srgbClr val="FFC000"/>
-            </a:solidFill>
-            <a:ln>
-              <a:noFill/>
-            </a:ln>
-          </p:spPr>
-          <p:style>
-            <a:lnRef idx="2">
-              <a:schemeClr val="accent1">
-                <a:shade val="50000"/>
-              </a:schemeClr>
-            </a:lnRef>
-            <a:fillRef idx="1">
-              <a:schemeClr val="accent1"/>
-            </a:fillRef>
-            <a:effectRef idx="0">
-              <a:schemeClr val="accent1"/>
-            </a:effectRef>
-            <a:fontRef idx="minor">
-              <a:schemeClr val="lt1"/>
-            </a:fontRef>
-          </p:style>
-          <p:txBody>
-            <a:bodyPr rtlCol="0" anchor="ctr"/>
-            <a:lstStyle/>
-            <a:p>
-              <a:pPr algn="ctr"/>
-              <a:endParaRPr lang="en-US"/>
-            </a:p>
-          </p:txBody>
-        </p:sp>
-        <p:sp>
-          <p:nvSpPr>
-            <p:cNvPr id="24" name="Oval 23">
-              <a:extLst>
-                <a:ext uri="{FF2B5EF4-FFF2-40B4-BE49-F238E27FC236}">
-                  <a16:creationId xmlns:a16="http://schemas.microsoft.com/office/drawing/2014/main" id="{FFB0BF14-9DE0-45AC-9A33-A3AE360C49AF}"/>
-                </a:ext>
-              </a:extLst>
-            </p:cNvPr>
-            <p:cNvSpPr/>
-            <p:nvPr/>
-          </p:nvSpPr>
-          <p:spPr>
-            <a:xfrm>
-              <a:off x="363303" y="2786207"/>
-              <a:ext cx="685800" cy="2312894"/>
-            </a:xfrm>
-            <a:prstGeom prst="ellipse">
-              <a:avLst/>
-            </a:prstGeom>
-            <a:solidFill>
-              <a:srgbClr val="FFC000"/>
-            </a:solidFill>
-            <a:ln>
-              <a:noFill/>
-            </a:ln>
-          </p:spPr>
-          <p:style>
-            <a:lnRef idx="2">
-              <a:schemeClr val="accent1">
-                <a:shade val="50000"/>
-              </a:schemeClr>
-            </a:lnRef>
-            <a:fillRef idx="1">
-              <a:schemeClr val="accent1"/>
-            </a:fillRef>
-            <a:effectRef idx="0">
-              <a:schemeClr val="accent1"/>
-            </a:effectRef>
-            <a:fontRef idx="minor">
-              <a:schemeClr val="lt1"/>
-            </a:fontRef>
-          </p:style>
-          <p:txBody>
-            <a:bodyPr rtlCol="0" anchor="ctr"/>
-            <a:lstStyle/>
-            <a:p>
-              <a:pPr algn="ctr"/>
-              <a:endParaRPr lang="en-US"/>
-            </a:p>
-          </p:txBody>
-        </p:sp>
-        <p:sp>
-          <p:nvSpPr>
-            <p:cNvPr id="25" name="Rectangle 24">
-              <a:extLst>
-                <a:ext uri="{FF2B5EF4-FFF2-40B4-BE49-F238E27FC236}">
-                  <a16:creationId xmlns:a16="http://schemas.microsoft.com/office/drawing/2014/main" id="{A939C0C4-86F5-478F-BF4E-BA052A1E2FE0}"/>
-                </a:ext>
-              </a:extLst>
-            </p:cNvPr>
-            <p:cNvSpPr/>
-            <p:nvPr/>
-          </p:nvSpPr>
-          <p:spPr>
-            <a:xfrm>
-              <a:off x="363303" y="5909536"/>
-              <a:ext cx="685800" cy="619914"/>
-            </a:xfrm>
-            <a:prstGeom prst="rect">
-              <a:avLst/>
-            </a:prstGeom>
-            <a:solidFill>
-              <a:schemeClr val="accent1">
-                <a:lumMod val="40000"/>
-                <a:lumOff val="60000"/>
-              </a:schemeClr>
-            </a:solidFill>
-            <a:ln>
-              <a:noFill/>
-            </a:ln>
-          </p:spPr>
-          <p:style>
-            <a:lnRef idx="2">
-              <a:schemeClr val="accent1">
-                <a:shade val="50000"/>
-              </a:schemeClr>
-            </a:lnRef>
-            <a:fillRef idx="1">
-              <a:schemeClr val="accent1"/>
-            </a:fillRef>
-            <a:effectRef idx="0">
-              <a:schemeClr val="accent1"/>
-            </a:effectRef>
-            <a:fontRef idx="minor">
-              <a:schemeClr val="lt1"/>
-            </a:fontRef>
-          </p:style>
-          <p:txBody>
-            <a:bodyPr rtlCol="0" anchor="ctr"/>
-            <a:lstStyle/>
-            <a:p>
-              <a:pPr algn="ctr"/>
-              <a:endParaRPr lang="en-US"/>
-            </a:p>
-          </p:txBody>
-        </p:sp>
-        <p:sp>
-          <p:nvSpPr>
-            <p:cNvPr id="48" name="Rectangle 47">
-              <a:extLst>
-                <a:ext uri="{FF2B5EF4-FFF2-40B4-BE49-F238E27FC236}">
-                  <a16:creationId xmlns:a16="http://schemas.microsoft.com/office/drawing/2014/main" id="{7D21DDD8-D416-4F65-B615-A9510ABAD38F}"/>
-                </a:ext>
-              </a:extLst>
-            </p:cNvPr>
-            <p:cNvSpPr/>
-            <p:nvPr/>
-          </p:nvSpPr>
-          <p:spPr>
-            <a:xfrm>
-              <a:off x="593388" y="6341424"/>
-              <a:ext cx="225631" cy="332509"/>
-            </a:xfrm>
-            <a:prstGeom prst="rect">
-              <a:avLst/>
-            </a:prstGeom>
-            <a:solidFill>
-              <a:schemeClr val="tx1"/>
-            </a:solidFill>
-            <a:ln>
-              <a:noFill/>
-            </a:ln>
-          </p:spPr>
-          <p:style>
-            <a:lnRef idx="2">
-              <a:schemeClr val="accent1">
-                <a:shade val="50000"/>
-              </a:schemeClr>
-            </a:lnRef>
-            <a:fillRef idx="1">
-              <a:schemeClr val="accent1"/>
-            </a:fillRef>
-            <a:effectRef idx="0">
-              <a:schemeClr val="accent1"/>
-            </a:effectRef>
-            <a:fontRef idx="minor">
-              <a:schemeClr val="lt1"/>
-            </a:fontRef>
-          </p:style>
-          <p:txBody>
-            <a:bodyPr rtlCol="0" anchor="ctr"/>
-            <a:lstStyle/>
-            <a:p>
-              <a:pPr algn="ctr"/>
-              <a:endParaRPr lang="en-US"/>
-            </a:p>
-          </p:txBody>
-        </p:sp>
-        <p:sp>
-          <p:nvSpPr>
-            <p:cNvPr id="54" name="Rectangle 53">
-              <a:extLst>
-                <a:ext uri="{FF2B5EF4-FFF2-40B4-BE49-F238E27FC236}">
-                  <a16:creationId xmlns:a16="http://schemas.microsoft.com/office/drawing/2014/main" id="{13A61071-2F14-4484-8C53-F20DB33F582D}"/>
-                </a:ext>
-              </a:extLst>
-            </p:cNvPr>
-            <p:cNvSpPr/>
-            <p:nvPr/>
-          </p:nvSpPr>
-          <p:spPr>
-            <a:xfrm>
-              <a:off x="2356379" y="3950967"/>
-              <a:ext cx="685800" cy="1968649"/>
-            </a:xfrm>
-            <a:prstGeom prst="rect">
-              <a:avLst/>
-            </a:prstGeom>
-            <a:solidFill>
-              <a:srgbClr val="FFC000"/>
-            </a:solidFill>
-            <a:ln>
-              <a:noFill/>
-            </a:ln>
-          </p:spPr>
-          <p:style>
-            <a:lnRef idx="2">
-              <a:schemeClr val="accent1">
-                <a:shade val="50000"/>
-              </a:schemeClr>
-            </a:lnRef>
-            <a:fillRef idx="1">
-              <a:schemeClr val="accent1"/>
-            </a:fillRef>
-            <a:effectRef idx="0">
-              <a:schemeClr val="accent1"/>
-            </a:effectRef>
-            <a:fontRef idx="minor">
-              <a:schemeClr val="lt1"/>
-            </a:fontRef>
-          </p:style>
-          <p:txBody>
-            <a:bodyPr rtlCol="0" anchor="ctr"/>
-            <a:lstStyle/>
-            <a:p>
-              <a:pPr algn="ctr"/>
-              <a:endParaRPr lang="en-US"/>
-            </a:p>
-          </p:txBody>
-        </p:sp>
-        <p:sp>
-          <p:nvSpPr>
-            <p:cNvPr id="55" name="Oval 54">
-              <a:extLst>
-                <a:ext uri="{FF2B5EF4-FFF2-40B4-BE49-F238E27FC236}">
-                  <a16:creationId xmlns:a16="http://schemas.microsoft.com/office/drawing/2014/main" id="{FB92214D-2D51-439E-8F46-DAEFBD98FAD5}"/>
-                </a:ext>
-              </a:extLst>
-            </p:cNvPr>
-            <p:cNvSpPr/>
-            <p:nvPr/>
-          </p:nvSpPr>
-          <p:spPr>
-            <a:xfrm>
-              <a:off x="2356379" y="2786207"/>
-              <a:ext cx="685800" cy="2312894"/>
-            </a:xfrm>
-            <a:prstGeom prst="ellipse">
-              <a:avLst/>
-            </a:prstGeom>
-            <a:solidFill>
-              <a:srgbClr val="FFC000"/>
-            </a:solidFill>
-            <a:ln>
-              <a:noFill/>
-            </a:ln>
-          </p:spPr>
-          <p:style>
-            <a:lnRef idx="2">
-              <a:schemeClr val="accent1">
-                <a:shade val="50000"/>
-              </a:schemeClr>
-            </a:lnRef>
-            <a:fillRef idx="1">
-              <a:schemeClr val="accent1"/>
-            </a:fillRef>
-            <a:effectRef idx="0">
-              <a:schemeClr val="accent1"/>
-            </a:effectRef>
-            <a:fontRef idx="minor">
-              <a:schemeClr val="lt1"/>
-            </a:fontRef>
-          </p:style>
-          <p:txBody>
-            <a:bodyPr rtlCol="0" anchor="ctr"/>
-            <a:lstStyle/>
-            <a:p>
-              <a:pPr algn="ctr"/>
-              <a:endParaRPr lang="en-US"/>
-            </a:p>
-          </p:txBody>
-        </p:sp>
-        <p:sp>
-          <p:nvSpPr>
-            <p:cNvPr id="56" name="Rectangle 55">
-              <a:extLst>
-                <a:ext uri="{FF2B5EF4-FFF2-40B4-BE49-F238E27FC236}">
-                  <a16:creationId xmlns:a16="http://schemas.microsoft.com/office/drawing/2014/main" id="{1AE56F08-110D-4015-BAF2-36860B0D3B76}"/>
-                </a:ext>
-              </a:extLst>
-            </p:cNvPr>
-            <p:cNvSpPr/>
-            <p:nvPr/>
-          </p:nvSpPr>
-          <p:spPr>
-            <a:xfrm>
-              <a:off x="2356379" y="5909536"/>
-              <a:ext cx="685800" cy="619914"/>
-            </a:xfrm>
-            <a:prstGeom prst="rect">
-              <a:avLst/>
-            </a:prstGeom>
-            <a:solidFill>
-              <a:schemeClr val="accent1">
-                <a:lumMod val="40000"/>
-                <a:lumOff val="60000"/>
-              </a:schemeClr>
-            </a:solidFill>
-            <a:ln>
-              <a:noFill/>
-            </a:ln>
-          </p:spPr>
-          <p:style>
-            <a:lnRef idx="2">
-              <a:schemeClr val="accent1">
-                <a:shade val="50000"/>
-              </a:schemeClr>
-            </a:lnRef>
-            <a:fillRef idx="1">
-              <a:schemeClr val="accent1"/>
-            </a:fillRef>
-            <a:effectRef idx="0">
-              <a:schemeClr val="accent1"/>
-            </a:effectRef>
-            <a:fontRef idx="minor">
-              <a:schemeClr val="lt1"/>
-            </a:fontRef>
-          </p:style>
-          <p:txBody>
-            <a:bodyPr rtlCol="0" anchor="ctr"/>
-            <a:lstStyle/>
-            <a:p>
-              <a:pPr algn="ctr"/>
-              <a:endParaRPr lang="en-US"/>
-            </a:p>
-          </p:txBody>
-        </p:sp>
-        <p:sp>
-          <p:nvSpPr>
-            <p:cNvPr id="53" name="Rectangle 52">
-              <a:extLst>
-                <a:ext uri="{FF2B5EF4-FFF2-40B4-BE49-F238E27FC236}">
-                  <a16:creationId xmlns:a16="http://schemas.microsoft.com/office/drawing/2014/main" id="{6EC49901-6CDF-4B82-B2BD-2F8AACDF7D4E}"/>
-                </a:ext>
-              </a:extLst>
-            </p:cNvPr>
-            <p:cNvSpPr/>
-            <p:nvPr/>
-          </p:nvSpPr>
-          <p:spPr>
-            <a:xfrm>
-              <a:off x="2586464" y="6341424"/>
-              <a:ext cx="225631" cy="332509"/>
-            </a:xfrm>
-            <a:prstGeom prst="rect">
-              <a:avLst/>
-            </a:prstGeom>
-            <a:solidFill>
-              <a:schemeClr val="tx1"/>
-            </a:solidFill>
-            <a:ln>
-              <a:noFill/>
-            </a:ln>
-          </p:spPr>
-          <p:style>
-            <a:lnRef idx="2">
-              <a:schemeClr val="accent1">
-                <a:shade val="50000"/>
-              </a:schemeClr>
-            </a:lnRef>
-            <a:fillRef idx="1">
-              <a:schemeClr val="accent1"/>
-            </a:fillRef>
-            <a:effectRef idx="0">
-              <a:schemeClr val="accent1"/>
-            </a:effectRef>
-            <a:fontRef idx="minor">
-              <a:schemeClr val="lt1"/>
-            </a:fontRef>
-          </p:style>
-          <p:txBody>
-            <a:bodyPr rtlCol="0" anchor="ctr"/>
-            <a:lstStyle/>
-            <a:p>
-              <a:pPr algn="ctr"/>
-              <a:endParaRPr lang="en-US"/>
-            </a:p>
-          </p:txBody>
-        </p:sp>
-        <p:grpSp>
-          <p:nvGrpSpPr>
-            <p:cNvPr id="43" name="Group 42">
-              <a:extLst>
-                <a:ext uri="{FF2B5EF4-FFF2-40B4-BE49-F238E27FC236}">
-                  <a16:creationId xmlns:a16="http://schemas.microsoft.com/office/drawing/2014/main" id="{FA1D3D79-7275-4D2D-AA39-2D53E8005607}"/>
+                  <a16:creationId xmlns:a16="http://schemas.microsoft.com/office/drawing/2014/main" id="{D437EA31-EC6A-45FF-B032-8178353D8433}"/>
                 </a:ext>
               </a:extLst>
             </p:cNvPr>
@@ -4643,205 +4370,648 @@
           </p:nvGrpSpPr>
           <p:grpSpPr>
             <a:xfrm>
-              <a:off x="795269" y="3513120"/>
-              <a:ext cx="1814945" cy="522515"/>
-              <a:chOff x="5332020" y="4225636"/>
-              <a:chExt cx="1814945" cy="522515"/>
+              <a:off x="363303" y="2786207"/>
+              <a:ext cx="2678876" cy="3887726"/>
+              <a:chOff x="363303" y="2786207"/>
+              <a:chExt cx="2678876" cy="3887726"/>
             </a:xfrm>
           </p:grpSpPr>
-          <p:cxnSp>
-            <p:nvCxnSpPr>
-              <p:cNvPr id="40" name="Straight Connector 39">
+          <p:sp>
+            <p:nvSpPr>
+              <p:cNvPr id="23" name="Rectangle 22">
                 <a:extLst>
                   <a:ext uri="{FF2B5EF4-FFF2-40B4-BE49-F238E27FC236}">
-                    <a16:creationId xmlns:a16="http://schemas.microsoft.com/office/drawing/2014/main" id="{C2EAC244-9953-47B4-99F6-EFB09A169F12}"/>
+                    <a16:creationId xmlns:a16="http://schemas.microsoft.com/office/drawing/2014/main" id="{E4A9436E-7C09-4334-A098-E97873D6EF36}"/>
                   </a:ext>
                 </a:extLst>
               </p:cNvPr>
-              <p:cNvCxnSpPr>
-                <a:cxnSpLocks/>
-              </p:cNvCxnSpPr>
+              <p:cNvSpPr/>
               <p:nvPr/>
-            </p:nvCxnSpPr>
+            </p:nvSpPr>
             <p:spPr>
               <a:xfrm>
-                <a:off x="5332020" y="4225636"/>
-                <a:ext cx="593766" cy="522515"/>
+                <a:off x="363303" y="3950967"/>
+                <a:ext cx="685800" cy="1968649"/>
               </a:xfrm>
-              <a:prstGeom prst="line">
+              <a:prstGeom prst="rect">
                 <a:avLst/>
               </a:prstGeom>
-              <a:ln w="130175">
-                <a:solidFill>
-                  <a:schemeClr val="tx1"/>
-                </a:solidFill>
+              <a:solidFill>
+                <a:srgbClr val="FFC000"/>
+              </a:solidFill>
+              <a:ln>
+                <a:noFill/>
               </a:ln>
             </p:spPr>
             <p:style>
-              <a:lnRef idx="1">
-                <a:schemeClr val="accent1"/>
+              <a:lnRef idx="2">
+                <a:schemeClr val="accent1">
+                  <a:shade val="50000"/>
+                </a:schemeClr>
               </a:lnRef>
-              <a:fillRef idx="0">
+              <a:fillRef idx="1">
                 <a:schemeClr val="accent1"/>
               </a:fillRef>
               <a:effectRef idx="0">
                 <a:schemeClr val="accent1"/>
               </a:effectRef>
               <a:fontRef idx="minor">
-                <a:schemeClr val="tx1"/>
+                <a:schemeClr val="lt1"/>
               </a:fontRef>
             </p:style>
-          </p:cxnSp>
-          <p:cxnSp>
-            <p:nvCxnSpPr>
-              <p:cNvPr id="42" name="Straight Connector 41">
+            <p:txBody>
+              <a:bodyPr rtlCol="0" anchor="ctr"/>
+              <a:lstStyle/>
+              <a:p>
+                <a:pPr algn="ctr"/>
+                <a:endParaRPr lang="en-US"/>
+              </a:p>
+            </p:txBody>
+          </p:sp>
+          <p:sp>
+            <p:nvSpPr>
+              <p:cNvPr id="24" name="Oval 23">
                 <a:extLst>
                   <a:ext uri="{FF2B5EF4-FFF2-40B4-BE49-F238E27FC236}">
-                    <a16:creationId xmlns:a16="http://schemas.microsoft.com/office/drawing/2014/main" id="{71582D4A-E456-4F5A-B267-2D906D25D7FD}"/>
+                    <a16:creationId xmlns:a16="http://schemas.microsoft.com/office/drawing/2014/main" id="{FFB0BF14-9DE0-45AC-9A33-A3AE360C49AF}"/>
                   </a:ext>
                 </a:extLst>
               </p:cNvPr>
-              <p:cNvCxnSpPr>
-                <a:cxnSpLocks/>
-              </p:cNvCxnSpPr>
+              <p:cNvSpPr/>
               <p:nvPr/>
-            </p:nvCxnSpPr>
+            </p:nvSpPr>
             <p:spPr>
-              <a:xfrm flipV="1">
-                <a:off x="6553199" y="4225636"/>
-                <a:ext cx="593766" cy="522515"/>
+              <a:xfrm>
+                <a:off x="363303" y="2786207"/>
+                <a:ext cx="685800" cy="2312894"/>
               </a:xfrm>
-              <a:prstGeom prst="line">
+              <a:prstGeom prst="ellipse">
                 <a:avLst/>
               </a:prstGeom>
-              <a:ln w="130175">
-                <a:solidFill>
-                  <a:schemeClr val="tx1"/>
-                </a:solidFill>
+              <a:solidFill>
+                <a:srgbClr val="FFC000"/>
+              </a:solidFill>
+              <a:ln>
+                <a:noFill/>
               </a:ln>
             </p:spPr>
             <p:style>
-              <a:lnRef idx="1">
-                <a:schemeClr val="accent1"/>
+              <a:lnRef idx="2">
+                <a:schemeClr val="accent1">
+                  <a:shade val="50000"/>
+                </a:schemeClr>
               </a:lnRef>
-              <a:fillRef idx="0">
+              <a:fillRef idx="1">
                 <a:schemeClr val="accent1"/>
               </a:fillRef>
               <a:effectRef idx="0">
                 <a:schemeClr val="accent1"/>
               </a:effectRef>
               <a:fontRef idx="minor">
-                <a:schemeClr val="tx1"/>
+                <a:schemeClr val="lt1"/>
               </a:fontRef>
             </p:style>
-          </p:cxnSp>
-        </p:grpSp>
-        <p:grpSp>
-          <p:nvGrpSpPr>
-            <p:cNvPr id="44" name="Group 43">
-              <a:extLst>
-                <a:ext uri="{FF2B5EF4-FFF2-40B4-BE49-F238E27FC236}">
-                  <a16:creationId xmlns:a16="http://schemas.microsoft.com/office/drawing/2014/main" id="{1E5BDA21-1009-48BB-A7C6-56E94A1DE927}"/>
-                </a:ext>
-              </a:extLst>
-            </p:cNvPr>
-            <p:cNvGrpSpPr/>
-            <p:nvPr/>
-          </p:nvGrpSpPr>
-          <p:grpSpPr>
-            <a:xfrm flipV="1">
-              <a:off x="795269" y="5292440"/>
-              <a:ext cx="1814945" cy="522515"/>
-              <a:chOff x="5332020" y="4225636"/>
-              <a:chExt cx="1814945" cy="522515"/>
-            </a:xfrm>
-          </p:grpSpPr>
-          <p:cxnSp>
-            <p:nvCxnSpPr>
-              <p:cNvPr id="45" name="Straight Connector 44">
+            <p:txBody>
+              <a:bodyPr rtlCol="0" anchor="ctr"/>
+              <a:lstStyle/>
+              <a:p>
+                <a:pPr algn="ctr"/>
+                <a:endParaRPr lang="en-US"/>
+              </a:p>
+            </p:txBody>
+          </p:sp>
+          <p:sp>
+            <p:nvSpPr>
+              <p:cNvPr id="25" name="Rectangle 24">
                 <a:extLst>
                   <a:ext uri="{FF2B5EF4-FFF2-40B4-BE49-F238E27FC236}">
-                    <a16:creationId xmlns:a16="http://schemas.microsoft.com/office/drawing/2014/main" id="{E1D89FC4-7597-4629-8099-B1AF29C946E7}"/>
+                    <a16:creationId xmlns:a16="http://schemas.microsoft.com/office/drawing/2014/main" id="{A939C0C4-86F5-478F-BF4E-BA052A1E2FE0}"/>
                   </a:ext>
                 </a:extLst>
               </p:cNvPr>
-              <p:cNvCxnSpPr>
-                <a:cxnSpLocks/>
-              </p:cNvCxnSpPr>
+              <p:cNvSpPr/>
               <p:nvPr/>
-            </p:nvCxnSpPr>
+            </p:nvSpPr>
             <p:spPr>
               <a:xfrm>
-                <a:off x="5332020" y="4225636"/>
-                <a:ext cx="593766" cy="522515"/>
+                <a:off x="363303" y="5909536"/>
+                <a:ext cx="685800" cy="619914"/>
               </a:xfrm>
-              <a:prstGeom prst="line">
+              <a:prstGeom prst="rect">
                 <a:avLst/>
               </a:prstGeom>
-              <a:ln w="130175">
-                <a:solidFill>
-                  <a:schemeClr val="tx1"/>
-                </a:solidFill>
+              <a:solidFill>
+                <a:schemeClr val="accent1">
+                  <a:lumMod val="40000"/>
+                  <a:lumOff val="60000"/>
+                </a:schemeClr>
+              </a:solidFill>
+              <a:ln>
+                <a:noFill/>
               </a:ln>
             </p:spPr>
             <p:style>
-              <a:lnRef idx="1">
-                <a:schemeClr val="accent1"/>
+              <a:lnRef idx="2">
+                <a:schemeClr val="accent1">
+                  <a:shade val="50000"/>
+                </a:schemeClr>
               </a:lnRef>
-              <a:fillRef idx="0">
+              <a:fillRef idx="1">
                 <a:schemeClr val="accent1"/>
               </a:fillRef>
               <a:effectRef idx="0">
                 <a:schemeClr val="accent1"/>
               </a:effectRef>
               <a:fontRef idx="minor">
-                <a:schemeClr val="tx1"/>
+                <a:schemeClr val="lt1"/>
               </a:fontRef>
             </p:style>
-          </p:cxnSp>
-          <p:cxnSp>
-            <p:nvCxnSpPr>
-              <p:cNvPr id="46" name="Straight Connector 45">
+            <p:txBody>
+              <a:bodyPr rtlCol="0" anchor="ctr"/>
+              <a:lstStyle/>
+              <a:p>
+                <a:pPr algn="ctr"/>
+                <a:endParaRPr lang="en-US"/>
+              </a:p>
+            </p:txBody>
+          </p:sp>
+          <p:sp>
+            <p:nvSpPr>
+              <p:cNvPr id="48" name="Rectangle 47">
                 <a:extLst>
                   <a:ext uri="{FF2B5EF4-FFF2-40B4-BE49-F238E27FC236}">
-                    <a16:creationId xmlns:a16="http://schemas.microsoft.com/office/drawing/2014/main" id="{CCA835E3-C1B2-4AC0-9E71-FA6928450BDF}"/>
+                    <a16:creationId xmlns:a16="http://schemas.microsoft.com/office/drawing/2014/main" id="{7D21DDD8-D416-4F65-B615-A9510ABAD38F}"/>
                   </a:ext>
                 </a:extLst>
               </p:cNvPr>
-              <p:cNvCxnSpPr>
-                <a:cxnSpLocks/>
-              </p:cNvCxnSpPr>
+              <p:cNvSpPr/>
               <p:nvPr/>
-            </p:nvCxnSpPr>
+            </p:nvSpPr>
             <p:spPr>
-              <a:xfrm flipV="1">
-                <a:off x="6553199" y="4225636"/>
-                <a:ext cx="593766" cy="522515"/>
+              <a:xfrm>
+                <a:off x="593388" y="6341424"/>
+                <a:ext cx="225631" cy="332509"/>
               </a:xfrm>
-              <a:prstGeom prst="line">
+              <a:prstGeom prst="rect">
                 <a:avLst/>
               </a:prstGeom>
-              <a:ln w="130175">
-                <a:solidFill>
-                  <a:schemeClr val="tx1"/>
-                </a:solidFill>
+              <a:solidFill>
+                <a:schemeClr val="tx1"/>
+              </a:solidFill>
+              <a:ln>
+                <a:noFill/>
               </a:ln>
             </p:spPr>
             <p:style>
-              <a:lnRef idx="1">
-                <a:schemeClr val="accent1"/>
+              <a:lnRef idx="2">
+                <a:schemeClr val="accent1">
+                  <a:shade val="50000"/>
+                </a:schemeClr>
               </a:lnRef>
-              <a:fillRef idx="0">
+              <a:fillRef idx="1">
                 <a:schemeClr val="accent1"/>
               </a:fillRef>
               <a:effectRef idx="0">
                 <a:schemeClr val="accent1"/>
               </a:effectRef>
               <a:fontRef idx="minor">
-                <a:schemeClr val="tx1"/>
+                <a:schemeClr val="lt1"/>
               </a:fontRef>
             </p:style>
-          </p:cxnSp>
+            <p:txBody>
+              <a:bodyPr rtlCol="0" anchor="ctr"/>
+              <a:lstStyle/>
+              <a:p>
+                <a:pPr algn="ctr"/>
+                <a:endParaRPr lang="en-US"/>
+              </a:p>
+            </p:txBody>
+          </p:sp>
+          <p:sp>
+            <p:nvSpPr>
+              <p:cNvPr id="54" name="Rectangle 53">
+                <a:extLst>
+                  <a:ext uri="{FF2B5EF4-FFF2-40B4-BE49-F238E27FC236}">
+                    <a16:creationId xmlns:a16="http://schemas.microsoft.com/office/drawing/2014/main" id="{13A61071-2F14-4484-8C53-F20DB33F582D}"/>
+                  </a:ext>
+                </a:extLst>
+              </p:cNvPr>
+              <p:cNvSpPr/>
+              <p:nvPr/>
+            </p:nvSpPr>
+            <p:spPr>
+              <a:xfrm>
+                <a:off x="2356379" y="3950967"/>
+                <a:ext cx="685800" cy="1968649"/>
+              </a:xfrm>
+              <a:prstGeom prst="rect">
+                <a:avLst/>
+              </a:prstGeom>
+              <a:solidFill>
+                <a:srgbClr val="FFC000"/>
+              </a:solidFill>
+              <a:ln>
+                <a:noFill/>
+              </a:ln>
+            </p:spPr>
+            <p:style>
+              <a:lnRef idx="2">
+                <a:schemeClr val="accent1">
+                  <a:shade val="50000"/>
+                </a:schemeClr>
+              </a:lnRef>
+              <a:fillRef idx="1">
+                <a:schemeClr val="accent1"/>
+              </a:fillRef>
+              <a:effectRef idx="0">
+                <a:schemeClr val="accent1"/>
+              </a:effectRef>
+              <a:fontRef idx="minor">
+                <a:schemeClr val="lt1"/>
+              </a:fontRef>
+            </p:style>
+            <p:txBody>
+              <a:bodyPr rtlCol="0" anchor="ctr"/>
+              <a:lstStyle/>
+              <a:p>
+                <a:pPr algn="ctr"/>
+                <a:endParaRPr lang="en-US"/>
+              </a:p>
+            </p:txBody>
+          </p:sp>
+          <p:sp>
+            <p:nvSpPr>
+              <p:cNvPr id="55" name="Oval 54">
+                <a:extLst>
+                  <a:ext uri="{FF2B5EF4-FFF2-40B4-BE49-F238E27FC236}">
+                    <a16:creationId xmlns:a16="http://schemas.microsoft.com/office/drawing/2014/main" id="{FB92214D-2D51-439E-8F46-DAEFBD98FAD5}"/>
+                  </a:ext>
+                </a:extLst>
+              </p:cNvPr>
+              <p:cNvSpPr/>
+              <p:nvPr/>
+            </p:nvSpPr>
+            <p:spPr>
+              <a:xfrm>
+                <a:off x="2356379" y="2786207"/>
+                <a:ext cx="685800" cy="2312894"/>
+              </a:xfrm>
+              <a:prstGeom prst="ellipse">
+                <a:avLst/>
+              </a:prstGeom>
+              <a:solidFill>
+                <a:srgbClr val="FFC000"/>
+              </a:solidFill>
+              <a:ln>
+                <a:noFill/>
+              </a:ln>
+            </p:spPr>
+            <p:style>
+              <a:lnRef idx="2">
+                <a:schemeClr val="accent1">
+                  <a:shade val="50000"/>
+                </a:schemeClr>
+              </a:lnRef>
+              <a:fillRef idx="1">
+                <a:schemeClr val="accent1"/>
+              </a:fillRef>
+              <a:effectRef idx="0">
+                <a:schemeClr val="accent1"/>
+              </a:effectRef>
+              <a:fontRef idx="minor">
+                <a:schemeClr val="lt1"/>
+              </a:fontRef>
+            </p:style>
+            <p:txBody>
+              <a:bodyPr rtlCol="0" anchor="ctr"/>
+              <a:lstStyle/>
+              <a:p>
+                <a:pPr algn="ctr"/>
+                <a:endParaRPr lang="en-US"/>
+              </a:p>
+            </p:txBody>
+          </p:sp>
+          <p:sp>
+            <p:nvSpPr>
+              <p:cNvPr id="56" name="Rectangle 55">
+                <a:extLst>
+                  <a:ext uri="{FF2B5EF4-FFF2-40B4-BE49-F238E27FC236}">
+                    <a16:creationId xmlns:a16="http://schemas.microsoft.com/office/drawing/2014/main" id="{1AE56F08-110D-4015-BAF2-36860B0D3B76}"/>
+                  </a:ext>
+                </a:extLst>
+              </p:cNvPr>
+              <p:cNvSpPr/>
+              <p:nvPr/>
+            </p:nvSpPr>
+            <p:spPr>
+              <a:xfrm>
+                <a:off x="2356379" y="5909536"/>
+                <a:ext cx="685800" cy="619914"/>
+              </a:xfrm>
+              <a:prstGeom prst="rect">
+                <a:avLst/>
+              </a:prstGeom>
+              <a:solidFill>
+                <a:schemeClr val="accent1">
+                  <a:lumMod val="40000"/>
+                  <a:lumOff val="60000"/>
+                </a:schemeClr>
+              </a:solidFill>
+              <a:ln>
+                <a:noFill/>
+              </a:ln>
+            </p:spPr>
+            <p:style>
+              <a:lnRef idx="2">
+                <a:schemeClr val="accent1">
+                  <a:shade val="50000"/>
+                </a:schemeClr>
+              </a:lnRef>
+              <a:fillRef idx="1">
+                <a:schemeClr val="accent1"/>
+              </a:fillRef>
+              <a:effectRef idx="0">
+                <a:schemeClr val="accent1"/>
+              </a:effectRef>
+              <a:fontRef idx="minor">
+                <a:schemeClr val="lt1"/>
+              </a:fontRef>
+            </p:style>
+            <p:txBody>
+              <a:bodyPr rtlCol="0" anchor="ctr"/>
+              <a:lstStyle/>
+              <a:p>
+                <a:pPr algn="ctr"/>
+                <a:endParaRPr lang="en-US"/>
+              </a:p>
+            </p:txBody>
+          </p:sp>
+          <p:sp>
+            <p:nvSpPr>
+              <p:cNvPr id="53" name="Rectangle 52">
+                <a:extLst>
+                  <a:ext uri="{FF2B5EF4-FFF2-40B4-BE49-F238E27FC236}">
+                    <a16:creationId xmlns:a16="http://schemas.microsoft.com/office/drawing/2014/main" id="{6EC49901-6CDF-4B82-B2BD-2F8AACDF7D4E}"/>
+                  </a:ext>
+                </a:extLst>
+              </p:cNvPr>
+              <p:cNvSpPr/>
+              <p:nvPr/>
+            </p:nvSpPr>
+            <p:spPr>
+              <a:xfrm>
+                <a:off x="2586464" y="6341424"/>
+                <a:ext cx="225631" cy="332509"/>
+              </a:xfrm>
+              <a:prstGeom prst="rect">
+                <a:avLst/>
+              </a:prstGeom>
+              <a:solidFill>
+                <a:schemeClr val="tx1"/>
+              </a:solidFill>
+              <a:ln>
+                <a:noFill/>
+              </a:ln>
+            </p:spPr>
+            <p:style>
+              <a:lnRef idx="2">
+                <a:schemeClr val="accent1">
+                  <a:shade val="50000"/>
+                </a:schemeClr>
+              </a:lnRef>
+              <a:fillRef idx="1">
+                <a:schemeClr val="accent1"/>
+              </a:fillRef>
+              <a:effectRef idx="0">
+                <a:schemeClr val="accent1"/>
+              </a:effectRef>
+              <a:fontRef idx="minor">
+                <a:schemeClr val="lt1"/>
+              </a:fontRef>
+            </p:style>
+            <p:txBody>
+              <a:bodyPr rtlCol="0" anchor="ctr"/>
+              <a:lstStyle/>
+              <a:p>
+                <a:pPr algn="ctr"/>
+                <a:endParaRPr lang="en-US"/>
+              </a:p>
+            </p:txBody>
+          </p:sp>
+          <p:grpSp>
+            <p:nvGrpSpPr>
+              <p:cNvPr id="43" name="Group 42">
+                <a:extLst>
+                  <a:ext uri="{FF2B5EF4-FFF2-40B4-BE49-F238E27FC236}">
+                    <a16:creationId xmlns:a16="http://schemas.microsoft.com/office/drawing/2014/main" id="{FA1D3D79-7275-4D2D-AA39-2D53E8005607}"/>
+                  </a:ext>
+                </a:extLst>
+              </p:cNvPr>
+              <p:cNvGrpSpPr/>
+              <p:nvPr/>
+            </p:nvGrpSpPr>
+            <p:grpSpPr>
+              <a:xfrm>
+                <a:off x="795269" y="3513120"/>
+                <a:ext cx="1814945" cy="522515"/>
+                <a:chOff x="5332020" y="4225636"/>
+                <a:chExt cx="1814945" cy="522515"/>
+              </a:xfrm>
+            </p:grpSpPr>
+            <p:cxnSp>
+              <p:nvCxnSpPr>
+                <p:cNvPr id="40" name="Straight Connector 39">
+                  <a:extLst>
+                    <a:ext uri="{FF2B5EF4-FFF2-40B4-BE49-F238E27FC236}">
+                      <a16:creationId xmlns:a16="http://schemas.microsoft.com/office/drawing/2014/main" id="{C2EAC244-9953-47B4-99F6-EFB09A169F12}"/>
+                    </a:ext>
+                  </a:extLst>
+                </p:cNvPr>
+                <p:cNvCxnSpPr>
+                  <a:cxnSpLocks/>
+                </p:cNvCxnSpPr>
+                <p:nvPr/>
+              </p:nvCxnSpPr>
+              <p:spPr>
+                <a:xfrm>
+                  <a:off x="5332020" y="4225636"/>
+                  <a:ext cx="593766" cy="522515"/>
+                </a:xfrm>
+                <a:prstGeom prst="line">
+                  <a:avLst/>
+                </a:prstGeom>
+                <a:ln w="130175">
+                  <a:solidFill>
+                    <a:schemeClr val="tx1"/>
+                  </a:solidFill>
+                </a:ln>
+              </p:spPr>
+              <p:style>
+                <a:lnRef idx="1">
+                  <a:schemeClr val="accent1"/>
+                </a:lnRef>
+                <a:fillRef idx="0">
+                  <a:schemeClr val="accent1"/>
+                </a:fillRef>
+                <a:effectRef idx="0">
+                  <a:schemeClr val="accent1"/>
+                </a:effectRef>
+                <a:fontRef idx="minor">
+                  <a:schemeClr val="tx1"/>
+                </a:fontRef>
+              </p:style>
+            </p:cxnSp>
+            <p:cxnSp>
+              <p:nvCxnSpPr>
+                <p:cNvPr id="42" name="Straight Connector 41">
+                  <a:extLst>
+                    <a:ext uri="{FF2B5EF4-FFF2-40B4-BE49-F238E27FC236}">
+                      <a16:creationId xmlns:a16="http://schemas.microsoft.com/office/drawing/2014/main" id="{71582D4A-E456-4F5A-B267-2D906D25D7FD}"/>
+                    </a:ext>
+                  </a:extLst>
+                </p:cNvPr>
+                <p:cNvCxnSpPr>
+                  <a:cxnSpLocks/>
+                </p:cNvCxnSpPr>
+                <p:nvPr/>
+              </p:nvCxnSpPr>
+              <p:spPr>
+                <a:xfrm flipV="1">
+                  <a:off x="6553199" y="4225636"/>
+                  <a:ext cx="593766" cy="522515"/>
+                </a:xfrm>
+                <a:prstGeom prst="line">
+                  <a:avLst/>
+                </a:prstGeom>
+                <a:ln w="130175">
+                  <a:solidFill>
+                    <a:schemeClr val="tx1"/>
+                  </a:solidFill>
+                </a:ln>
+              </p:spPr>
+              <p:style>
+                <a:lnRef idx="1">
+                  <a:schemeClr val="accent1"/>
+                </a:lnRef>
+                <a:fillRef idx="0">
+                  <a:schemeClr val="accent1"/>
+                </a:fillRef>
+                <a:effectRef idx="0">
+                  <a:schemeClr val="accent1"/>
+                </a:effectRef>
+                <a:fontRef idx="minor">
+                  <a:schemeClr val="tx1"/>
+                </a:fontRef>
+              </p:style>
+            </p:cxnSp>
+          </p:grpSp>
+          <p:grpSp>
+            <p:nvGrpSpPr>
+              <p:cNvPr id="44" name="Group 43">
+                <a:extLst>
+                  <a:ext uri="{FF2B5EF4-FFF2-40B4-BE49-F238E27FC236}">
+                    <a16:creationId xmlns:a16="http://schemas.microsoft.com/office/drawing/2014/main" id="{1E5BDA21-1009-48BB-A7C6-56E94A1DE927}"/>
+                  </a:ext>
+                </a:extLst>
+              </p:cNvPr>
+              <p:cNvGrpSpPr/>
+              <p:nvPr/>
+            </p:nvGrpSpPr>
+            <p:grpSpPr>
+              <a:xfrm flipV="1">
+                <a:off x="795269" y="5292440"/>
+                <a:ext cx="1814945" cy="522515"/>
+                <a:chOff x="5332020" y="4225636"/>
+                <a:chExt cx="1814945" cy="522515"/>
+              </a:xfrm>
+            </p:grpSpPr>
+            <p:cxnSp>
+              <p:nvCxnSpPr>
+                <p:cNvPr id="45" name="Straight Connector 44">
+                  <a:extLst>
+                    <a:ext uri="{FF2B5EF4-FFF2-40B4-BE49-F238E27FC236}">
+                      <a16:creationId xmlns:a16="http://schemas.microsoft.com/office/drawing/2014/main" id="{E1D89FC4-7597-4629-8099-B1AF29C946E7}"/>
+                    </a:ext>
+                  </a:extLst>
+                </p:cNvPr>
+                <p:cNvCxnSpPr>
+                  <a:cxnSpLocks/>
+                </p:cNvCxnSpPr>
+                <p:nvPr/>
+              </p:nvCxnSpPr>
+              <p:spPr>
+                <a:xfrm>
+                  <a:off x="5332020" y="4225636"/>
+                  <a:ext cx="593766" cy="522515"/>
+                </a:xfrm>
+                <a:prstGeom prst="line">
+                  <a:avLst/>
+                </a:prstGeom>
+                <a:ln w="130175">
+                  <a:solidFill>
+                    <a:schemeClr val="tx1"/>
+                  </a:solidFill>
+                </a:ln>
+              </p:spPr>
+              <p:style>
+                <a:lnRef idx="1">
+                  <a:schemeClr val="accent1"/>
+                </a:lnRef>
+                <a:fillRef idx="0">
+                  <a:schemeClr val="accent1"/>
+                </a:fillRef>
+                <a:effectRef idx="0">
+                  <a:schemeClr val="accent1"/>
+                </a:effectRef>
+                <a:fontRef idx="minor">
+                  <a:schemeClr val="tx1"/>
+                </a:fontRef>
+              </p:style>
+            </p:cxnSp>
+            <p:cxnSp>
+              <p:nvCxnSpPr>
+                <p:cNvPr id="46" name="Straight Connector 45">
+                  <a:extLst>
+                    <a:ext uri="{FF2B5EF4-FFF2-40B4-BE49-F238E27FC236}">
+                      <a16:creationId xmlns:a16="http://schemas.microsoft.com/office/drawing/2014/main" id="{CCA835E3-C1B2-4AC0-9E71-FA6928450BDF}"/>
+                    </a:ext>
+                  </a:extLst>
+                </p:cNvPr>
+                <p:cNvCxnSpPr>
+                  <a:cxnSpLocks/>
+                </p:cNvCxnSpPr>
+                <p:nvPr/>
+              </p:nvCxnSpPr>
+              <p:spPr>
+                <a:xfrm flipV="1">
+                  <a:off x="6553199" y="4225636"/>
+                  <a:ext cx="593766" cy="522515"/>
+                </a:xfrm>
+                <a:prstGeom prst="line">
+                  <a:avLst/>
+                </a:prstGeom>
+                <a:ln w="130175">
+                  <a:solidFill>
+                    <a:schemeClr val="tx1"/>
+                  </a:solidFill>
+                </a:ln>
+              </p:spPr>
+              <p:style>
+                <a:lnRef idx="1">
+                  <a:schemeClr val="accent1"/>
+                </a:lnRef>
+                <a:fillRef idx="0">
+                  <a:schemeClr val="accent1"/>
+                </a:fillRef>
+                <a:effectRef idx="0">
+                  <a:schemeClr val="accent1"/>
+                </a:effectRef>
+                <a:fontRef idx="minor">
+                  <a:schemeClr val="tx1"/>
+                </a:fontRef>
+              </p:style>
+            </p:cxnSp>
+          </p:grpSp>
         </p:grpSp>
         <p:grpSp>
           <p:nvGrpSpPr>
@@ -4857,8 +5027,8 @@
           </p:nvGrpSpPr>
           <p:grpSpPr>
             <a:xfrm>
-              <a:off x="906105" y="3586350"/>
-              <a:ext cx="1593273" cy="2090057"/>
+              <a:off x="1240163" y="3672412"/>
+              <a:ext cx="925157" cy="2090057"/>
               <a:chOff x="6588826" y="1805049"/>
               <a:chExt cx="2175164" cy="2090057"/>
             </a:xfrm>
@@ -5331,6 +5501,35 @@
           </a:p>
         </p:txBody>
       </p:sp>
+      <p:pic>
+        <p:nvPicPr>
+          <p:cNvPr id="4" name="Picture 3">
+            <a:extLst>
+              <a:ext uri="{FF2B5EF4-FFF2-40B4-BE49-F238E27FC236}">
+                <a16:creationId xmlns:a16="http://schemas.microsoft.com/office/drawing/2014/main" id="{52B354F2-A265-485F-9AA0-12287472B8C4}"/>
+              </a:ext>
+            </a:extLst>
+          </p:cNvPr>
+          <p:cNvPicPr>
+            <a:picLocks noChangeAspect="1"/>
+          </p:cNvPicPr>
+          <p:nvPr/>
+        </p:nvPicPr>
+        <p:blipFill rotWithShape="1">
+          <a:blip r:embed="rId6"/>
+          <a:srcRect l="-58148" t="-26178" r="-58795" b="-23097"/>
+          <a:stretch/>
+        </p:blipFill>
+        <p:spPr>
+          <a:xfrm>
+            <a:off x="11338562" y="784622"/>
+            <a:ext cx="1108036" cy="1108036"/>
+          </a:xfrm>
+          <a:prstGeom prst="rect">
+            <a:avLst/>
+          </a:prstGeom>
+        </p:spPr>
+      </p:pic>
     </p:spTree>
     <p:extLst>
       <p:ext uri="{BB962C8B-B14F-4D97-AF65-F5344CB8AC3E}">
